--- a/tmp_slides/FreeForm_May_1_23.pptx
+++ b/tmp_slides/FreeForm_May_1_23.pptx
@@ -158,6 +158,9 @@
           </p14:sldIdLst>
         </p14:section>
       </p14:sectionLst>
+    </p:ext>
+    <p:ext uri="{EFAFB233-063F-42B5-8137-9DF3F51BA10A}">
+      <p15:sldGuideLst xmlns:p15="http://schemas.microsoft.com/office/powerpoint/2012/main"/>
     </p:ext>
   </p:extLst>
 </p:presentation>
@@ -4702,8 +4705,8 @@
           </a:p>
         </p:txBody>
       </p:sp>
-      <mc:AlternateContent xmlns:mc="http://schemas.openxmlformats.org/markup-compatibility/2006">
-        <mc:Choice xmlns:a14="http://schemas.microsoft.com/office/drawing/2010/main" Requires="a14">
+      <mc:AlternateContent xmlns:mc="http://schemas.openxmlformats.org/markup-compatibility/2006" xmlns:a14="http://schemas.microsoft.com/office/drawing/2010/main">
+        <mc:Choice Requires="a14">
           <p:sp>
             <p:nvSpPr>
               <p:cNvPr id="3" name="Content Placeholder 2"/>
@@ -4777,7 +4780,7 @@
             </p:txBody>
           </p:sp>
         </mc:Choice>
-        <mc:Fallback>
+        <mc:Fallback xmlns="">
           <p:sp>
             <p:nvSpPr>
               <p:cNvPr id="3" name="Content Placeholder 2"/>
@@ -4864,8 +4867,8 @@
           </a:p>
         </p:txBody>
       </p:sp>
-      <mc:AlternateContent xmlns:mc="http://schemas.openxmlformats.org/markup-compatibility/2006">
-        <mc:Choice xmlns:a14="http://schemas.microsoft.com/office/drawing/2010/main" Requires="a14">
+      <mc:AlternateContent xmlns:mc="http://schemas.openxmlformats.org/markup-compatibility/2006" xmlns:a14="http://schemas.microsoft.com/office/drawing/2010/main">
+        <mc:Choice Requires="a14">
           <p:sp>
             <p:nvSpPr>
               <p:cNvPr id="3" name="Content Placeholder 2"/>
@@ -4956,7 +4959,7 @@
             </p:txBody>
           </p:sp>
         </mc:Choice>
-        <mc:Fallback>
+        <mc:Fallback xmlns="">
           <p:sp>
             <p:nvSpPr>
               <p:cNvPr id="3" name="Content Placeholder 2"/>
@@ -5173,7 +5176,11 @@
           <a:bodyPr/>
           <a:lstStyle/>
           <a:p>
-            <a:endParaRPr lang="en-US"/>
+            <a:r>
+              <a:rPr lang="en-US" b="1" dirty="0"/>
+              <a:t>Fourier Transform</a:t>
+            </a:r>
+            <a:endParaRPr lang="en-US" dirty="0"/>
           </a:p>
         </p:txBody>
       </p:sp>
@@ -6364,8 +6371,8 @@
           </a:p>
         </p:txBody>
       </p:sp>
-      <mc:AlternateContent xmlns:mc="http://schemas.openxmlformats.org/markup-compatibility/2006">
-        <mc:Choice xmlns:a14="http://schemas.microsoft.com/office/drawing/2010/main" Requires="a14">
+      <mc:AlternateContent xmlns:mc="http://schemas.openxmlformats.org/markup-compatibility/2006" xmlns:a14="http://schemas.microsoft.com/office/drawing/2010/main">
+        <mc:Choice Requires="a14">
           <p:sp>
             <p:nvSpPr>
               <p:cNvPr id="3" name="Content Placeholder 2"/>
@@ -7220,7 +7227,7 @@
                     <m:f>
                       <m:fPr>
                         <m:ctrlPr>
-                          <a:rPr lang="en-US" sz="2000" b="0" i="0" smtClean="0">
+                          <a:rPr lang="en-US" sz="2000" b="0" i="1" smtClean="0">
                             <a:latin typeface="Cambria Math" panose="02040503050406030204" pitchFamily="18" charset="0"/>
                           </a:rPr>
                         </m:ctrlPr>
@@ -7229,7 +7236,7 @@
                         <m:sSub>
                           <m:sSubPr>
                             <m:ctrlPr>
-                              <a:rPr lang="en-US" sz="2000" b="0" i="0" smtClean="0">
+                              <a:rPr lang="en-US" sz="2000" b="0" i="1" smtClean="0">
                                 <a:latin typeface="Cambria Math" panose="02040503050406030204" pitchFamily="18" charset="0"/>
                               </a:rPr>
                             </m:ctrlPr>
@@ -7286,7 +7293,7 @@
             </p:txBody>
           </p:sp>
         </mc:Choice>
-        <mc:Fallback>
+        <mc:Fallback xmlns="">
           <p:sp>
             <p:nvSpPr>
               <p:cNvPr id="3" name="Content Placeholder 2"/>
@@ -7527,8 +7534,8 @@
           </a:p>
         </p:txBody>
       </p:sp>
-      <mc:AlternateContent xmlns:mc="http://schemas.openxmlformats.org/markup-compatibility/2006">
-        <mc:Choice xmlns:a14="http://schemas.microsoft.com/office/drawing/2010/main" Requires="a14">
+      <mc:AlternateContent xmlns:mc="http://schemas.openxmlformats.org/markup-compatibility/2006" xmlns:a14="http://schemas.microsoft.com/office/drawing/2010/main">
+        <mc:Choice Requires="a14">
           <p:sp>
             <p:nvSpPr>
               <p:cNvPr id="3" name="Content Placeholder 2"/>
@@ -7786,7 +7793,7 @@
             </p:txBody>
           </p:sp>
         </mc:Choice>
-        <mc:Fallback>
+        <mc:Fallback xmlns="">
           <p:sp>
             <p:nvSpPr>
               <p:cNvPr id="3" name="Content Placeholder 2"/>
@@ -8041,8 +8048,8 @@
           </a:p>
         </p:txBody>
       </p:sp>
-      <mc:AlternateContent xmlns:mc="http://schemas.openxmlformats.org/markup-compatibility/2006">
-        <mc:Choice xmlns:a14="http://schemas.microsoft.com/office/drawing/2010/main" Requires="a14">
+      <mc:AlternateContent xmlns:mc="http://schemas.openxmlformats.org/markup-compatibility/2006" xmlns:a14="http://schemas.microsoft.com/office/drawing/2010/main">
+        <mc:Choice Requires="a14">
           <p:sp>
             <p:nvSpPr>
               <p:cNvPr id="3" name="Content Placeholder 2"/>
@@ -8231,7 +8238,7 @@
             </p:txBody>
           </p:sp>
         </mc:Choice>
-        <mc:Fallback>
+        <mc:Fallback xmlns="">
           <p:sp>
             <p:nvSpPr>
               <p:cNvPr id="3" name="Content Placeholder 2"/>
@@ -8764,8 +8771,8 @@
           </a:p>
         </p:txBody>
       </p:sp>
-      <mc:AlternateContent xmlns:mc="http://schemas.openxmlformats.org/markup-compatibility/2006">
-        <mc:Choice xmlns:a14="http://schemas.microsoft.com/office/drawing/2010/main" Requires="a14">
+      <mc:AlternateContent xmlns:mc="http://schemas.openxmlformats.org/markup-compatibility/2006" xmlns:a14="http://schemas.microsoft.com/office/drawing/2010/main">
+        <mc:Choice Requires="a14">
           <p:sp>
             <p:nvSpPr>
               <p:cNvPr id="3" name="Content Placeholder 2"/>
@@ -9012,7 +9019,7 @@
             </p:txBody>
           </p:sp>
         </mc:Choice>
-        <mc:Fallback>
+        <mc:Fallback xmlns="">
           <p:sp>
             <p:nvSpPr>
               <p:cNvPr id="3" name="Content Placeholder 2"/>
@@ -9516,11 +9523,6 @@
                 </a:rPr>
                 <a:t>2</a:t>
               </a:r>
-              <a:endParaRPr lang="en-US" dirty="0">
-                <a:solidFill>
-                  <a:srgbClr val="FF0000"/>
-                </a:solidFill>
-              </a:endParaRPr>
             </a:p>
           </p:txBody>
         </p:sp>
@@ -9556,11 +9558,6 @@
                 </a:rPr>
                 <a:t>4</a:t>
               </a:r>
-              <a:endParaRPr lang="en-US" dirty="0">
-                <a:solidFill>
-                  <a:srgbClr val="FF0000"/>
-                </a:solidFill>
-              </a:endParaRPr>
             </a:p>
           </p:txBody>
         </p:sp>
@@ -9596,11 +9593,6 @@
                 </a:rPr>
                 <a:t>3</a:t>
               </a:r>
-              <a:endParaRPr lang="en-US" dirty="0">
-                <a:solidFill>
-                  <a:srgbClr val="FF0000"/>
-                </a:solidFill>
-              </a:endParaRPr>
             </a:p>
           </p:txBody>
         </p:sp>

--- a/tmp_slides/FreeForm_May_1_23.pptx
+++ b/tmp_slides/FreeForm_May_1_23.pptx
@@ -5,7 +5,7 @@
     <p:sldMasterId id="2147483648" r:id="rId1"/>
   </p:sldMasterIdLst>
   <p:notesMasterIdLst>
-    <p:notesMasterId r:id="rId18"/>
+    <p:notesMasterId r:id="rId21"/>
   </p:notesMasterIdLst>
   <p:sldIdLst>
     <p:sldId id="256" r:id="rId2"/>
@@ -24,6 +24,9 @@
     <p:sldId id="259" r:id="rId15"/>
     <p:sldId id="258" r:id="rId16"/>
     <p:sldId id="266" r:id="rId17"/>
+    <p:sldId id="272" r:id="rId18"/>
+    <p:sldId id="274" r:id="rId19"/>
+    <p:sldId id="273" r:id="rId20"/>
   </p:sldIdLst>
   <p:sldSz cx="12192000" cy="6858000"/>
   <p:notesSz cx="6858000" cy="9144000"/>
@@ -155,6 +158,9 @@
             <p14:sldId id="259"/>
             <p14:sldId id="258"/>
             <p14:sldId id="266"/>
+            <p14:sldId id="272"/>
+            <p14:sldId id="274"/>
+            <p14:sldId id="273"/>
           </p14:sldIdLst>
         </p14:section>
       </p14:sectionLst>
@@ -248,7 +254,7 @@
           <a:p>
             <a:fld id="{12E37C3C-12CD-40F2-BE6C-4E3A6FF7DD06}" type="datetimeFigureOut">
               <a:rPr lang="en-US" smtClean="0"/>
-              <a:t>5/1/2023</a:t>
+              <a:t>5/3/2023</a:t>
             </a:fld>
             <a:endParaRPr lang="en-US"/>
           </a:p>
@@ -1874,7 +1880,7 @@
           <a:p>
             <a:fld id="{1C4D3102-7C73-49E5-B82E-B17CE27CF761}" type="datetimeFigureOut">
               <a:rPr lang="en-US" smtClean="0"/>
-              <a:t>5/1/2023</a:t>
+              <a:t>5/3/2023</a:t>
             </a:fld>
             <a:endParaRPr lang="en-US"/>
           </a:p>
@@ -2044,7 +2050,7 @@
           <a:p>
             <a:fld id="{1C4D3102-7C73-49E5-B82E-B17CE27CF761}" type="datetimeFigureOut">
               <a:rPr lang="en-US" smtClean="0"/>
-              <a:t>5/1/2023</a:t>
+              <a:t>5/3/2023</a:t>
             </a:fld>
             <a:endParaRPr lang="en-US"/>
           </a:p>
@@ -2224,7 +2230,7 @@
           <a:p>
             <a:fld id="{1C4D3102-7C73-49E5-B82E-B17CE27CF761}" type="datetimeFigureOut">
               <a:rPr lang="en-US" smtClean="0"/>
-              <a:t>5/1/2023</a:t>
+              <a:t>5/3/2023</a:t>
             </a:fld>
             <a:endParaRPr lang="en-US"/>
           </a:p>
@@ -2394,7 +2400,7 @@
           <a:p>
             <a:fld id="{1C4D3102-7C73-49E5-B82E-B17CE27CF761}" type="datetimeFigureOut">
               <a:rPr lang="en-US" smtClean="0"/>
-              <a:t>5/1/2023</a:t>
+              <a:t>5/3/2023</a:t>
             </a:fld>
             <a:endParaRPr lang="en-US"/>
           </a:p>
@@ -2640,7 +2646,7 @@
           <a:p>
             <a:fld id="{1C4D3102-7C73-49E5-B82E-B17CE27CF761}" type="datetimeFigureOut">
               <a:rPr lang="en-US" smtClean="0"/>
-              <a:t>5/1/2023</a:t>
+              <a:t>5/3/2023</a:t>
             </a:fld>
             <a:endParaRPr lang="en-US"/>
           </a:p>
@@ -2872,7 +2878,7 @@
           <a:p>
             <a:fld id="{1C4D3102-7C73-49E5-B82E-B17CE27CF761}" type="datetimeFigureOut">
               <a:rPr lang="en-US" smtClean="0"/>
-              <a:t>5/1/2023</a:t>
+              <a:t>5/3/2023</a:t>
             </a:fld>
             <a:endParaRPr lang="en-US"/>
           </a:p>
@@ -3239,7 +3245,7 @@
           <a:p>
             <a:fld id="{1C4D3102-7C73-49E5-B82E-B17CE27CF761}" type="datetimeFigureOut">
               <a:rPr lang="en-US" smtClean="0"/>
-              <a:t>5/1/2023</a:t>
+              <a:t>5/3/2023</a:t>
             </a:fld>
             <a:endParaRPr lang="en-US"/>
           </a:p>
@@ -3357,7 +3363,7 @@
           <a:p>
             <a:fld id="{1C4D3102-7C73-49E5-B82E-B17CE27CF761}" type="datetimeFigureOut">
               <a:rPr lang="en-US" smtClean="0"/>
-              <a:t>5/1/2023</a:t>
+              <a:t>5/3/2023</a:t>
             </a:fld>
             <a:endParaRPr lang="en-US"/>
           </a:p>
@@ -3452,7 +3458,7 @@
           <a:p>
             <a:fld id="{1C4D3102-7C73-49E5-B82E-B17CE27CF761}" type="datetimeFigureOut">
               <a:rPr lang="en-US" smtClean="0"/>
-              <a:t>5/1/2023</a:t>
+              <a:t>5/3/2023</a:t>
             </a:fld>
             <a:endParaRPr lang="en-US"/>
           </a:p>
@@ -3729,7 +3735,7 @@
           <a:p>
             <a:fld id="{1C4D3102-7C73-49E5-B82E-B17CE27CF761}" type="datetimeFigureOut">
               <a:rPr lang="en-US" smtClean="0"/>
-              <a:t>5/1/2023</a:t>
+              <a:t>5/3/2023</a:t>
             </a:fld>
             <a:endParaRPr lang="en-US"/>
           </a:p>
@@ -3982,7 +3988,7 @@
           <a:p>
             <a:fld id="{1C4D3102-7C73-49E5-B82E-B17CE27CF761}" type="datetimeFigureOut">
               <a:rPr lang="en-US" smtClean="0"/>
-              <a:t>5/1/2023</a:t>
+              <a:t>5/3/2023</a:t>
             </a:fld>
             <a:endParaRPr lang="en-US"/>
           </a:p>
@@ -4195,7 +4201,7 @@
           <a:p>
             <a:fld id="{1C4D3102-7C73-49E5-B82E-B17CE27CF761}" type="datetimeFigureOut">
               <a:rPr lang="en-US" smtClean="0"/>
-              <a:t>5/1/2023</a:t>
+              <a:t>5/3/2023</a:t>
             </a:fld>
             <a:endParaRPr lang="en-US"/>
           </a:p>
@@ -5876,6 +5882,533 @@
   <p:clrMapOvr>
     <a:masterClrMapping/>
   </p:clrMapOvr>
+  <p:timing>
+    <p:tnLst>
+      <p:par>
+        <p:cTn id="1" dur="indefinite" restart="never" nodeType="tmRoot"/>
+      </p:par>
+    </p:tnLst>
+  </p:timing>
+</p:sld>
+</file>
+
+<file path=ppt/slides/slide17.xml><?xml version="1.0" encoding="utf-8"?>
+<p:sld xmlns:a="http://schemas.openxmlformats.org/drawingml/2006/main" xmlns:r="http://schemas.openxmlformats.org/officeDocument/2006/relationships" xmlns:p="http://schemas.openxmlformats.org/presentationml/2006/main">
+  <p:cSld>
+    <p:spTree>
+      <p:nvGrpSpPr>
+        <p:cNvPr id="1" name=""/>
+        <p:cNvGrpSpPr/>
+        <p:nvPr/>
+      </p:nvGrpSpPr>
+      <p:grpSpPr>
+        <a:xfrm>
+          <a:off x="0" y="0"/>
+          <a:ext cx="0" cy="0"/>
+          <a:chOff x="0" y="0"/>
+          <a:chExt cx="0" cy="0"/>
+        </a:xfrm>
+      </p:grpSpPr>
+      <p:sp>
+        <p:nvSpPr>
+          <p:cNvPr id="2" name="Title 1"/>
+          <p:cNvSpPr>
+            <a:spLocks noGrp="1"/>
+          </p:cNvSpPr>
+          <p:nvPr>
+            <p:ph type="title"/>
+          </p:nvPr>
+        </p:nvSpPr>
+        <p:spPr/>
+        <p:txBody>
+          <a:bodyPr/>
+          <a:lstStyle/>
+          <a:p>
+            <a:r>
+              <a:rPr lang="en-US" b="1" dirty="0" smtClean="0"/>
+              <a:t>Verify Thin Layer Approximation</a:t>
+            </a:r>
+            <a:endParaRPr lang="en-US" b="1" dirty="0"/>
+          </a:p>
+        </p:txBody>
+      </p:sp>
+      <p:sp>
+        <p:nvSpPr>
+          <p:cNvPr id="3" name="Content Placeholder 2"/>
+          <p:cNvSpPr>
+            <a:spLocks noGrp="1"/>
+          </p:cNvSpPr>
+          <p:nvPr>
+            <p:ph idx="1"/>
+          </p:nvPr>
+        </p:nvSpPr>
+        <p:spPr/>
+        <p:txBody>
+          <a:bodyPr/>
+          <a:lstStyle/>
+          <a:p>
+            <a:r>
+              <a:rPr lang="en-US" dirty="0" smtClean="0"/>
+              <a:t>When thickness each layer is larger, no better.</a:t>
+            </a:r>
+          </a:p>
+          <a:p>
+            <a:r>
+              <a:rPr lang="en-US" dirty="0" smtClean="0"/>
+              <a:t>Sparsity defect</a:t>
+            </a:r>
+          </a:p>
+          <a:p>
+            <a:endParaRPr lang="en-US" dirty="0"/>
+          </a:p>
+        </p:txBody>
+      </p:sp>
+      <p:pic>
+        <p:nvPicPr>
+          <p:cNvPr id="6" name="Picture 5"/>
+          <p:cNvPicPr>
+            <a:picLocks noChangeAspect="1"/>
+          </p:cNvPicPr>
+          <p:nvPr/>
+        </p:nvPicPr>
+        <p:blipFill>
+          <a:blip r:embed="rId2"/>
+          <a:stretch>
+            <a:fillRect/>
+          </a:stretch>
+        </p:blipFill>
+        <p:spPr>
+          <a:xfrm>
+            <a:off x="6971808" y="2521009"/>
+            <a:ext cx="5025864" cy="4239105"/>
+          </a:xfrm>
+          <a:prstGeom prst="rect">
+            <a:avLst/>
+          </a:prstGeom>
+        </p:spPr>
+      </p:pic>
+      <p:grpSp>
+        <p:nvGrpSpPr>
+          <p:cNvPr id="11" name="Group 10"/>
+          <p:cNvGrpSpPr/>
+          <p:nvPr/>
+        </p:nvGrpSpPr>
+        <p:grpSpPr>
+          <a:xfrm>
+            <a:off x="1217733" y="2847146"/>
+            <a:ext cx="4029441" cy="3816253"/>
+            <a:chOff x="582427" y="2545430"/>
+            <a:chExt cx="4827406" cy="4572000"/>
+          </a:xfrm>
+        </p:grpSpPr>
+        <p:pic>
+          <p:nvPicPr>
+            <p:cNvPr id="4" name="Picture 3"/>
+            <p:cNvPicPr>
+              <a:picLocks noChangeAspect="1"/>
+            </p:cNvPicPr>
+            <p:nvPr/>
+          </p:nvPicPr>
+          <p:blipFill>
+            <a:blip r:embed="rId3"/>
+            <a:stretch>
+              <a:fillRect/>
+            </a:stretch>
+          </p:blipFill>
+          <p:spPr>
+            <a:xfrm>
+              <a:off x="582427" y="4069430"/>
+              <a:ext cx="4791075" cy="1524000"/>
+            </a:xfrm>
+            <a:prstGeom prst="rect">
+              <a:avLst/>
+            </a:prstGeom>
+          </p:spPr>
+        </p:pic>
+        <p:pic>
+          <p:nvPicPr>
+            <p:cNvPr id="7" name="Picture 6"/>
+            <p:cNvPicPr>
+              <a:picLocks noChangeAspect="1"/>
+            </p:cNvPicPr>
+            <p:nvPr/>
+          </p:nvPicPr>
+          <p:blipFill>
+            <a:blip r:embed="rId4"/>
+            <a:stretch>
+              <a:fillRect/>
+            </a:stretch>
+          </p:blipFill>
+          <p:spPr>
+            <a:xfrm>
+              <a:off x="618758" y="2545430"/>
+              <a:ext cx="4791075" cy="1524000"/>
+            </a:xfrm>
+            <a:prstGeom prst="rect">
+              <a:avLst/>
+            </a:prstGeom>
+          </p:spPr>
+        </p:pic>
+        <p:pic>
+          <p:nvPicPr>
+            <p:cNvPr id="8" name="Picture 7"/>
+            <p:cNvPicPr>
+              <a:picLocks noChangeAspect="1"/>
+            </p:cNvPicPr>
+            <p:nvPr/>
+          </p:nvPicPr>
+          <p:blipFill>
+            <a:blip r:embed="rId5"/>
+            <a:stretch>
+              <a:fillRect/>
+            </a:stretch>
+          </p:blipFill>
+          <p:spPr>
+            <a:xfrm>
+              <a:off x="618757" y="5593430"/>
+              <a:ext cx="4791075" cy="1524000"/>
+            </a:xfrm>
+            <a:prstGeom prst="rect">
+              <a:avLst/>
+            </a:prstGeom>
+          </p:spPr>
+        </p:pic>
+      </p:grpSp>
+      <p:pic>
+        <p:nvPicPr>
+          <p:cNvPr id="10" name="Picture 9"/>
+          <p:cNvPicPr>
+            <a:picLocks noChangeAspect="1"/>
+          </p:cNvPicPr>
+          <p:nvPr/>
+        </p:nvPicPr>
+        <p:blipFill>
+          <a:blip r:embed="rId6"/>
+          <a:stretch>
+            <a:fillRect/>
+          </a:stretch>
+        </p:blipFill>
+        <p:spPr>
+          <a:xfrm>
+            <a:off x="1710104" y="5455401"/>
+            <a:ext cx="3185053" cy="1013138"/>
+          </a:xfrm>
+          <a:prstGeom prst="rect">
+            <a:avLst/>
+          </a:prstGeom>
+        </p:spPr>
+      </p:pic>
+    </p:spTree>
+    <p:extLst>
+      <p:ext uri="{BB962C8B-B14F-4D97-AF65-F5344CB8AC3E}">
+        <p14:creationId xmlns:p14="http://schemas.microsoft.com/office/powerpoint/2010/main" val="4240854483"/>
+      </p:ext>
+    </p:extLst>
+  </p:cSld>
+  <p:clrMapOvr>
+    <a:masterClrMapping/>
+  </p:clrMapOvr>
+  <p:timing>
+    <p:tnLst>
+      <p:par>
+        <p:cTn id="1" dur="indefinite" restart="never" nodeType="tmRoot">
+          <p:childTnLst>
+            <p:seq concurrent="1" nextAc="seek">
+              <p:cTn id="2" dur="indefinite" nodeType="mainSeq">
+                <p:childTnLst>
+                  <p:par>
+                    <p:cTn id="3" fill="hold">
+                      <p:stCondLst>
+                        <p:cond delay="indefinite"/>
+                      </p:stCondLst>
+                      <p:childTnLst>
+                        <p:par>
+                          <p:cTn id="4" fill="hold">
+                            <p:stCondLst>
+                              <p:cond delay="0"/>
+                            </p:stCondLst>
+                            <p:childTnLst>
+                              <p:par>
+                                <p:cTn id="5" presetID="1" presetClass="entr" presetSubtype="0" fill="hold" nodeType="clickEffect">
+                                  <p:stCondLst>
+                                    <p:cond delay="0"/>
+                                  </p:stCondLst>
+                                  <p:childTnLst>
+                                    <p:set>
+                                      <p:cBhvr>
+                                        <p:cTn id="6" dur="1" fill="hold">
+                                          <p:stCondLst>
+                                            <p:cond delay="0"/>
+                                          </p:stCondLst>
+                                        </p:cTn>
+                                        <p:tgtEl>
+                                          <p:spTgt spid="10"/>
+                                        </p:tgtEl>
+                                        <p:attrNameLst>
+                                          <p:attrName>style.visibility</p:attrName>
+                                        </p:attrNameLst>
+                                      </p:cBhvr>
+                                      <p:to>
+                                        <p:strVal val="visible"/>
+                                      </p:to>
+                                    </p:set>
+                                  </p:childTnLst>
+                                </p:cTn>
+                              </p:par>
+                            </p:childTnLst>
+                          </p:cTn>
+                        </p:par>
+                      </p:childTnLst>
+                    </p:cTn>
+                  </p:par>
+                </p:childTnLst>
+              </p:cTn>
+              <p:prevCondLst>
+                <p:cond evt="onPrev" delay="0">
+                  <p:tgtEl>
+                    <p:sldTgt/>
+                  </p:tgtEl>
+                </p:cond>
+              </p:prevCondLst>
+              <p:nextCondLst>
+                <p:cond evt="onNext" delay="0">
+                  <p:tgtEl>
+                    <p:sldTgt/>
+                  </p:tgtEl>
+                </p:cond>
+              </p:nextCondLst>
+            </p:seq>
+          </p:childTnLst>
+        </p:cTn>
+      </p:par>
+    </p:tnLst>
+  </p:timing>
+</p:sld>
+</file>
+
+<file path=ppt/slides/slide18.xml><?xml version="1.0" encoding="utf-8"?>
+<p:sld xmlns:a="http://schemas.openxmlformats.org/drawingml/2006/main" xmlns:r="http://schemas.openxmlformats.org/officeDocument/2006/relationships" xmlns:p="http://schemas.openxmlformats.org/presentationml/2006/main">
+  <p:cSld>
+    <p:spTree>
+      <p:nvGrpSpPr>
+        <p:cNvPr id="1" name=""/>
+        <p:cNvGrpSpPr/>
+        <p:nvPr/>
+      </p:nvGrpSpPr>
+      <p:grpSpPr>
+        <a:xfrm>
+          <a:off x="0" y="0"/>
+          <a:ext cx="0" cy="0"/>
+          <a:chOff x="0" y="0"/>
+          <a:chExt cx="0" cy="0"/>
+        </a:xfrm>
+      </p:grpSpPr>
+      <p:sp>
+        <p:nvSpPr>
+          <p:cNvPr id="2" name="Title 1"/>
+          <p:cNvSpPr>
+            <a:spLocks noGrp="1"/>
+          </p:cNvSpPr>
+          <p:nvPr>
+            <p:ph type="title"/>
+          </p:nvPr>
+        </p:nvSpPr>
+        <p:spPr/>
+        <p:txBody>
+          <a:bodyPr/>
+          <a:lstStyle/>
+          <a:p>
+            <a:r>
+              <a:rPr lang="en-US" b="1" dirty="0" smtClean="0"/>
+              <a:t>Verify Thin Layer Approximation</a:t>
+            </a:r>
+            <a:endParaRPr lang="en-US" b="1" dirty="0"/>
+          </a:p>
+        </p:txBody>
+      </p:sp>
+      <p:sp>
+        <p:nvSpPr>
+          <p:cNvPr id="3" name="Content Placeholder 2"/>
+          <p:cNvSpPr>
+            <a:spLocks noGrp="1"/>
+          </p:cNvSpPr>
+          <p:nvPr>
+            <p:ph idx="1"/>
+          </p:nvPr>
+        </p:nvSpPr>
+        <p:spPr/>
+        <p:txBody>
+          <a:bodyPr/>
+          <a:lstStyle/>
+          <a:p>
+            <a:r>
+              <a:rPr lang="en-US" dirty="0" smtClean="0"/>
+              <a:t>When thickness each layer is larger, no better.</a:t>
+            </a:r>
+          </a:p>
+          <a:p>
+            <a:r>
+              <a:rPr lang="en-US" dirty="0" smtClean="0"/>
+              <a:t>Sparsity defect</a:t>
+            </a:r>
+          </a:p>
+          <a:p>
+            <a:endParaRPr lang="en-US" dirty="0"/>
+          </a:p>
+        </p:txBody>
+      </p:sp>
+      <p:pic>
+        <p:nvPicPr>
+          <p:cNvPr id="5" name="Picture 4"/>
+          <p:cNvPicPr>
+            <a:picLocks noChangeAspect="1"/>
+          </p:cNvPicPr>
+          <p:nvPr/>
+        </p:nvPicPr>
+        <p:blipFill>
+          <a:blip r:embed="rId2" cstate="print">
+            <a:extLst>
+              <a:ext uri="{28A0092B-C50C-407E-A947-70E740481C1C}">
+                <a14:useLocalDpi xmlns:a14="http://schemas.microsoft.com/office/drawing/2010/main" val="0"/>
+              </a:ext>
+            </a:extLst>
+          </a:blip>
+          <a:stretch>
+            <a:fillRect/>
+          </a:stretch>
+        </p:blipFill>
+        <p:spPr>
+          <a:xfrm>
+            <a:off x="75022" y="2082892"/>
+            <a:ext cx="5852172" cy="4389129"/>
+          </a:xfrm>
+          <a:prstGeom prst="rect">
+            <a:avLst/>
+          </a:prstGeom>
+        </p:spPr>
+      </p:pic>
+      <p:pic>
+        <p:nvPicPr>
+          <p:cNvPr id="9" name="Picture 8"/>
+          <p:cNvPicPr>
+            <a:picLocks noChangeAspect="1"/>
+          </p:cNvPicPr>
+          <p:nvPr/>
+        </p:nvPicPr>
+        <p:blipFill>
+          <a:blip r:embed="rId3" cstate="print">
+            <a:extLst>
+              <a:ext uri="{28A0092B-C50C-407E-A947-70E740481C1C}">
+                <a14:useLocalDpi xmlns:a14="http://schemas.microsoft.com/office/drawing/2010/main" val="0"/>
+              </a:ext>
+            </a:extLst>
+          </a:blip>
+          <a:stretch>
+            <a:fillRect/>
+          </a:stretch>
+        </p:blipFill>
+        <p:spPr>
+          <a:xfrm>
+            <a:off x="6096000" y="2191849"/>
+            <a:ext cx="5852172" cy="4389129"/>
+          </a:xfrm>
+          <a:prstGeom prst="rect">
+            <a:avLst/>
+          </a:prstGeom>
+        </p:spPr>
+      </p:pic>
+    </p:spTree>
+    <p:extLst>
+      <p:ext uri="{BB962C8B-B14F-4D97-AF65-F5344CB8AC3E}">
+        <p14:creationId xmlns:p14="http://schemas.microsoft.com/office/powerpoint/2010/main" val="878390542"/>
+      </p:ext>
+    </p:extLst>
+  </p:cSld>
+  <p:clrMapOvr>
+    <a:masterClrMapping/>
+  </p:clrMapOvr>
+  <p:timing>
+    <p:tnLst>
+      <p:par>
+        <p:cTn id="1" dur="indefinite" restart="never" nodeType="tmRoot"/>
+      </p:par>
+    </p:tnLst>
+  </p:timing>
+</p:sld>
+</file>
+
+<file path=ppt/slides/slide19.xml><?xml version="1.0" encoding="utf-8"?>
+<p:sld xmlns:a="http://schemas.openxmlformats.org/drawingml/2006/main" xmlns:r="http://schemas.openxmlformats.org/officeDocument/2006/relationships" xmlns:p="http://schemas.openxmlformats.org/presentationml/2006/main">
+  <p:cSld>
+    <p:spTree>
+      <p:nvGrpSpPr>
+        <p:cNvPr id="1" name=""/>
+        <p:cNvGrpSpPr/>
+        <p:nvPr/>
+      </p:nvGrpSpPr>
+      <p:grpSpPr>
+        <a:xfrm>
+          <a:off x="0" y="0"/>
+          <a:ext cx="0" cy="0"/>
+          <a:chOff x="0" y="0"/>
+          <a:chExt cx="0" cy="0"/>
+        </a:xfrm>
+      </p:grpSpPr>
+      <p:sp>
+        <p:nvSpPr>
+          <p:cNvPr id="2" name="Title 1"/>
+          <p:cNvSpPr>
+            <a:spLocks noGrp="1"/>
+          </p:cNvSpPr>
+          <p:nvPr>
+            <p:ph type="title"/>
+          </p:nvPr>
+        </p:nvSpPr>
+        <p:spPr/>
+        <p:txBody>
+          <a:bodyPr/>
+          <a:lstStyle/>
+          <a:p>
+            <a:endParaRPr lang="en-US"/>
+          </a:p>
+        </p:txBody>
+      </p:sp>
+      <p:sp>
+        <p:nvSpPr>
+          <p:cNvPr id="3" name="Content Placeholder 2"/>
+          <p:cNvSpPr>
+            <a:spLocks noGrp="1"/>
+          </p:cNvSpPr>
+          <p:nvPr>
+            <p:ph idx="1"/>
+          </p:nvPr>
+        </p:nvSpPr>
+        <p:spPr/>
+        <p:txBody>
+          <a:bodyPr/>
+          <a:lstStyle/>
+          <a:p>
+            <a:endParaRPr lang="en-US"/>
+          </a:p>
+        </p:txBody>
+      </p:sp>
+    </p:spTree>
+    <p:extLst>
+      <p:ext uri="{BB962C8B-B14F-4D97-AF65-F5344CB8AC3E}">
+        <p14:creationId xmlns:p14="http://schemas.microsoft.com/office/powerpoint/2010/main" val="1632267590"/>
+      </p:ext>
+    </p:extLst>
+  </p:cSld>
+  <p:clrMapOvr>
+    <a:masterClrMapping/>
+  </p:clrMapOvr>
+  <p:timing>
+    <p:tnLst>
+      <p:par>
+        <p:cTn id="1" dur="indefinite" restart="never" nodeType="tmRoot"/>
+      </p:par>
+    </p:tnLst>
+  </p:timing>
 </p:sld>
 </file>
 
